--- a/13 022_91893^LLLLLLM_^LLLLLLM91897^LLLLLLMDocumentation (13).pptx
+++ b/13 022_91893^LLLLLLM_^LLLLLLM91897^LLLLLLMDocumentation (13).pptx
@@ -5,7 +5,7 @@
     <p:sldMasterId id="2147483659" r:id="rId4"/>
   </p:sldMasterIdLst>
   <p:notesMasterIdLst>
-    <p:notesMasterId r:id="rId35"/>
+    <p:notesMasterId r:id="rId39"/>
   </p:notesMasterIdLst>
   <p:sldIdLst>
     <p:sldId id="256" r:id="rId5"/>
@@ -36,8 +36,12 @@
     <p:sldId id="286" r:id="rId30"/>
     <p:sldId id="285" r:id="rId31"/>
     <p:sldId id="288" r:id="rId32"/>
-    <p:sldId id="261" r:id="rId33"/>
-    <p:sldId id="262" r:id="rId34"/>
+    <p:sldId id="290" r:id="rId33"/>
+    <p:sldId id="289" r:id="rId34"/>
+    <p:sldId id="292" r:id="rId35"/>
+    <p:sldId id="291" r:id="rId36"/>
+    <p:sldId id="261" r:id="rId37"/>
+    <p:sldId id="262" r:id="rId38"/>
   </p:sldIdLst>
   <p:sldSz cx="9144000" cy="5143500" type="screen16x9"/>
   <p:notesSz cx="6858000" cy="9144000"/>
@@ -287,6 +291,214 @@
     </p:ext>
   </p:extLst>
 </p:presentation>
+</file>
+
+<file path=ppt/revisionInfo.xml><?xml version="1.0" encoding="utf-8"?>
+<p1510:revInfo xmlns:a="http://schemas.openxmlformats.org/drawingml/2006/main" xmlns:r="http://schemas.openxmlformats.org/officeDocument/2006/relationships" xmlns:p1510="http://schemas.microsoft.com/office/powerpoint/2015/10/main">
+  <p1510:revLst>
+    <p1510:client id="{74E5252C-D20B-48D1-87A5-42B70F651BC2}" v="1" dt="2022-02-28T09:23:15.585"/>
+  </p1510:revLst>
+</p1510:revInfo>
+</file>
+
+<file path=ppt/changesInfos/changesInfo1.xml><?xml version="1.0" encoding="utf-8"?>
+<pc:chgInfo xmlns:a="http://schemas.openxmlformats.org/drawingml/2006/main" xmlns:r="http://schemas.openxmlformats.org/officeDocument/2006/relationships" xmlns:ac="http://schemas.microsoft.com/office/drawing/2013/main/command" xmlns:pc="http://schemas.microsoft.com/office/powerpoint/2013/main/command">
+  <pc:docChgLst>
+    <pc:chgData name="Giancarlo Tavano" userId="b95c5ce31b4f8ae6" providerId="LiveId" clId="{74E5252C-D20B-48D1-87A5-42B70F651BC2}"/>
+    <pc:docChg chg="custSel addSld delSld modSld sldOrd">
+      <pc:chgData name="Giancarlo Tavano" userId="b95c5ce31b4f8ae6" providerId="LiveId" clId="{74E5252C-D20B-48D1-87A5-42B70F651BC2}" dt="2022-02-28T09:24:50.525" v="183" actId="1076"/>
+      <pc:docMkLst>
+        <pc:docMk/>
+      </pc:docMkLst>
+      <pc:sldChg chg="modSp mod">
+        <pc:chgData name="Giancarlo Tavano" userId="b95c5ce31b4f8ae6" providerId="LiveId" clId="{74E5252C-D20B-48D1-87A5-42B70F651BC2}" dt="2022-02-28T09:23:11.515" v="170" actId="1076"/>
+        <pc:sldMkLst>
+          <pc:docMk/>
+          <pc:sldMk cId="1422190739" sldId="286"/>
+        </pc:sldMkLst>
+        <pc:picChg chg="mod">
+          <ac:chgData name="Giancarlo Tavano" userId="b95c5ce31b4f8ae6" providerId="LiveId" clId="{74E5252C-D20B-48D1-87A5-42B70F651BC2}" dt="2022-02-28T09:23:11.515" v="170" actId="1076"/>
+          <ac:picMkLst>
+            <pc:docMk/>
+            <pc:sldMk cId="1422190739" sldId="286"/>
+            <ac:picMk id="3" creationId="{F20DB974-5DDD-40AB-AFAD-C57B771F975A}"/>
+          </ac:picMkLst>
+        </pc:picChg>
+      </pc:sldChg>
+      <pc:sldChg chg="addSp delSp modSp add mod">
+        <pc:chgData name="Giancarlo Tavano" userId="b95c5ce31b4f8ae6" providerId="LiveId" clId="{74E5252C-D20B-48D1-87A5-42B70F651BC2}" dt="2022-02-28T09:08:49.667" v="117" actId="20577"/>
+        <pc:sldMkLst>
+          <pc:docMk/>
+          <pc:sldMk cId="1490550042" sldId="289"/>
+        </pc:sldMkLst>
+        <pc:spChg chg="mod">
+          <ac:chgData name="Giancarlo Tavano" userId="b95c5ce31b4f8ae6" providerId="LiveId" clId="{74E5252C-D20B-48D1-87A5-42B70F651BC2}" dt="2022-02-28T09:08:49.667" v="117" actId="20577"/>
+          <ac:spMkLst>
+            <pc:docMk/>
+            <pc:sldMk cId="1490550042" sldId="289"/>
+            <ac:spMk id="78" creationId="{00000000-0000-0000-0000-000000000000}"/>
+          </ac:spMkLst>
+        </pc:spChg>
+        <pc:graphicFrameChg chg="mod modGraphic">
+          <ac:chgData name="Giancarlo Tavano" userId="b95c5ce31b4f8ae6" providerId="LiveId" clId="{74E5252C-D20B-48D1-87A5-42B70F651BC2}" dt="2022-02-28T09:08:35.939" v="115" actId="1076"/>
+          <ac:graphicFrameMkLst>
+            <pc:docMk/>
+            <pc:sldMk cId="1490550042" sldId="289"/>
+            <ac:graphicFrameMk id="79" creationId="{00000000-0000-0000-0000-000000000000}"/>
+          </ac:graphicFrameMkLst>
+        </pc:graphicFrameChg>
+        <pc:picChg chg="del">
+          <ac:chgData name="Giancarlo Tavano" userId="b95c5ce31b4f8ae6" providerId="LiveId" clId="{74E5252C-D20B-48D1-87A5-42B70F651BC2}" dt="2022-02-28T09:05:29.625" v="5" actId="478"/>
+          <ac:picMkLst>
+            <pc:docMk/>
+            <pc:sldMk cId="1490550042" sldId="289"/>
+            <ac:picMk id="3" creationId="{1269E022-2122-4748-8C21-C2AF346F5A55}"/>
+          </ac:picMkLst>
+        </pc:picChg>
+        <pc:picChg chg="add mod">
+          <ac:chgData name="Giancarlo Tavano" userId="b95c5ce31b4f8ae6" providerId="LiveId" clId="{74E5252C-D20B-48D1-87A5-42B70F651BC2}" dt="2022-02-28T09:07:36.716" v="17" actId="14100"/>
+          <ac:picMkLst>
+            <pc:docMk/>
+            <pc:sldMk cId="1490550042" sldId="289"/>
+            <ac:picMk id="4" creationId="{B600A79C-C0E4-4C89-8A48-3BA27E1BFD72}"/>
+          </ac:picMkLst>
+        </pc:picChg>
+        <pc:picChg chg="del">
+          <ac:chgData name="Giancarlo Tavano" userId="b95c5ce31b4f8ae6" providerId="LiveId" clId="{74E5252C-D20B-48D1-87A5-42B70F651BC2}" dt="2022-02-28T09:05:30.096" v="6" actId="478"/>
+          <ac:picMkLst>
+            <pc:docMk/>
+            <pc:sldMk cId="1490550042" sldId="289"/>
+            <ac:picMk id="5" creationId="{DA77D4B0-1E4D-433A-B319-B9CEF969C881}"/>
+          </ac:picMkLst>
+        </pc:picChg>
+        <pc:picChg chg="add mod">
+          <ac:chgData name="Giancarlo Tavano" userId="b95c5ce31b4f8ae6" providerId="LiveId" clId="{74E5252C-D20B-48D1-87A5-42B70F651BC2}" dt="2022-02-28T09:07:45.204" v="21" actId="1076"/>
+          <ac:picMkLst>
+            <pc:docMk/>
+            <pc:sldMk cId="1490550042" sldId="289"/>
+            <ac:picMk id="7" creationId="{8E00584B-EB8E-4463-8D09-9964D00C24A1}"/>
+          </ac:picMkLst>
+        </pc:picChg>
+      </pc:sldChg>
+      <pc:sldChg chg="addSp delSp modSp add mod ord">
+        <pc:chgData name="Giancarlo Tavano" userId="b95c5ce31b4f8ae6" providerId="LiveId" clId="{74E5252C-D20B-48D1-87A5-42B70F651BC2}" dt="2022-02-28T09:05:39.491" v="8" actId="1076"/>
+        <pc:sldMkLst>
+          <pc:docMk/>
+          <pc:sldMk cId="2116301660" sldId="290"/>
+        </pc:sldMkLst>
+        <pc:picChg chg="add mod">
+          <ac:chgData name="Giancarlo Tavano" userId="b95c5ce31b4f8ae6" providerId="LiveId" clId="{74E5252C-D20B-48D1-87A5-42B70F651BC2}" dt="2022-02-28T09:05:39.491" v="8" actId="1076"/>
+          <ac:picMkLst>
+            <pc:docMk/>
+            <pc:sldMk cId="2116301660" sldId="290"/>
+            <ac:picMk id="3" creationId="{80368159-401B-49AF-B97D-DCDA1628CD44}"/>
+          </ac:picMkLst>
+        </pc:picChg>
+        <pc:picChg chg="del">
+          <ac:chgData name="Giancarlo Tavano" userId="b95c5ce31b4f8ae6" providerId="LiveId" clId="{74E5252C-D20B-48D1-87A5-42B70F651BC2}" dt="2022-02-28T09:04:59.576" v="4" actId="478"/>
+          <ac:picMkLst>
+            <pc:docMk/>
+            <pc:sldMk cId="2116301660" sldId="290"/>
+            <ac:picMk id="5" creationId="{7489FD82-1217-45B8-A3B9-1CDD6361C54F}"/>
+          </ac:picMkLst>
+        </pc:picChg>
+      </pc:sldChg>
+      <pc:sldChg chg="addSp delSp modSp add mod">
+        <pc:chgData name="Giancarlo Tavano" userId="b95c5ce31b4f8ae6" providerId="LiveId" clId="{74E5252C-D20B-48D1-87A5-42B70F651BC2}" dt="2022-02-28T09:23:16.683" v="172" actId="1076"/>
+        <pc:sldMkLst>
+          <pc:docMk/>
+          <pc:sldMk cId="229409218" sldId="291"/>
+        </pc:sldMkLst>
+        <pc:spChg chg="mod">
+          <ac:chgData name="Giancarlo Tavano" userId="b95c5ce31b4f8ae6" providerId="LiveId" clId="{74E5252C-D20B-48D1-87A5-42B70F651BC2}" dt="2022-02-28T09:22:59.032" v="169" actId="255"/>
+          <ac:spMkLst>
+            <pc:docMk/>
+            <pc:sldMk cId="229409218" sldId="291"/>
+            <ac:spMk id="78" creationId="{00000000-0000-0000-0000-000000000000}"/>
+          </ac:spMkLst>
+        </pc:spChg>
+        <pc:picChg chg="add del mod">
+          <ac:chgData name="Giancarlo Tavano" userId="b95c5ce31b4f8ae6" providerId="LiveId" clId="{74E5252C-D20B-48D1-87A5-42B70F651BC2}" dt="2022-02-28T09:11:36.184" v="130" actId="478"/>
+          <ac:picMkLst>
+            <pc:docMk/>
+            <pc:sldMk cId="229409218" sldId="291"/>
+            <ac:picMk id="3" creationId="{10C267AD-B145-4233-9E73-D72325A80C7B}"/>
+          </ac:picMkLst>
+        </pc:picChg>
+        <pc:picChg chg="del">
+          <ac:chgData name="Giancarlo Tavano" userId="b95c5ce31b4f8ae6" providerId="LiveId" clId="{74E5252C-D20B-48D1-87A5-42B70F651BC2}" dt="2022-02-28T09:09:04.449" v="126" actId="478"/>
+          <ac:picMkLst>
+            <pc:docMk/>
+            <pc:sldMk cId="229409218" sldId="291"/>
+            <ac:picMk id="4" creationId="{B600A79C-C0E4-4C89-8A48-3BA27E1BFD72}"/>
+          </ac:picMkLst>
+        </pc:picChg>
+        <pc:picChg chg="add mod">
+          <ac:chgData name="Giancarlo Tavano" userId="b95c5ce31b4f8ae6" providerId="LiveId" clId="{74E5252C-D20B-48D1-87A5-42B70F651BC2}" dt="2022-02-28T09:22:27.298" v="134" actId="1076"/>
+          <ac:picMkLst>
+            <pc:docMk/>
+            <pc:sldMk cId="229409218" sldId="291"/>
+            <ac:picMk id="6" creationId="{CCBE7B25-23DD-425F-AD7B-F04FA25A833F}"/>
+          </ac:picMkLst>
+        </pc:picChg>
+        <pc:picChg chg="del">
+          <ac:chgData name="Giancarlo Tavano" userId="b95c5ce31b4f8ae6" providerId="LiveId" clId="{74E5252C-D20B-48D1-87A5-42B70F651BC2}" dt="2022-02-28T09:09:05.033" v="127" actId="478"/>
+          <ac:picMkLst>
+            <pc:docMk/>
+            <pc:sldMk cId="229409218" sldId="291"/>
+            <ac:picMk id="7" creationId="{8E00584B-EB8E-4463-8D09-9964D00C24A1}"/>
+          </ac:picMkLst>
+        </pc:picChg>
+        <pc:picChg chg="add mod">
+          <ac:chgData name="Giancarlo Tavano" userId="b95c5ce31b4f8ae6" providerId="LiveId" clId="{74E5252C-D20B-48D1-87A5-42B70F651BC2}" dt="2022-02-28T09:23:16.683" v="172" actId="1076"/>
+          <ac:picMkLst>
+            <pc:docMk/>
+            <pc:sldMk cId="229409218" sldId="291"/>
+            <ac:picMk id="10" creationId="{A5F1C219-06AF-41F1-BFA6-2E6028FD072A}"/>
+          </ac:picMkLst>
+        </pc:picChg>
+      </pc:sldChg>
+      <pc:sldChg chg="add del ord">
+        <pc:chgData name="Giancarlo Tavano" userId="b95c5ce31b4f8ae6" providerId="LiveId" clId="{74E5252C-D20B-48D1-87A5-42B70F651BC2}" dt="2022-02-28T09:08:59.387" v="122" actId="47"/>
+        <pc:sldMkLst>
+          <pc:docMk/>
+          <pc:sldMk cId="3387801101" sldId="292"/>
+        </pc:sldMkLst>
+      </pc:sldChg>
+      <pc:sldChg chg="addSp delSp modSp add mod ord">
+        <pc:chgData name="Giancarlo Tavano" userId="b95c5ce31b4f8ae6" providerId="LiveId" clId="{74E5252C-D20B-48D1-87A5-42B70F651BC2}" dt="2022-02-28T09:24:50.525" v="183" actId="1076"/>
+        <pc:sldMkLst>
+          <pc:docMk/>
+          <pc:sldMk cId="3399817946" sldId="292"/>
+        </pc:sldMkLst>
+        <pc:spChg chg="mod">
+          <ac:chgData name="Giancarlo Tavano" userId="b95c5ce31b4f8ae6" providerId="LiveId" clId="{74E5252C-D20B-48D1-87A5-42B70F651BC2}" dt="2022-02-28T09:24:45.139" v="180" actId="20577"/>
+          <ac:spMkLst>
+            <pc:docMk/>
+            <pc:sldMk cId="3399817946" sldId="292"/>
+            <ac:spMk id="73" creationId="{00000000-0000-0000-0000-000000000000}"/>
+          </ac:spMkLst>
+        </pc:spChg>
+        <pc:picChg chg="del">
+          <ac:chgData name="Giancarlo Tavano" userId="b95c5ce31b4f8ae6" providerId="LiveId" clId="{74E5252C-D20B-48D1-87A5-42B70F651BC2}" dt="2022-02-28T09:24:47.776" v="181" actId="478"/>
+          <ac:picMkLst>
+            <pc:docMk/>
+            <pc:sldMk cId="3399817946" sldId="292"/>
+            <ac:picMk id="3" creationId="{80368159-401B-49AF-B97D-DCDA1628CD44}"/>
+          </ac:picMkLst>
+        </pc:picChg>
+        <pc:picChg chg="add mod">
+          <ac:chgData name="Giancarlo Tavano" userId="b95c5ce31b4f8ae6" providerId="LiveId" clId="{74E5252C-D20B-48D1-87A5-42B70F651BC2}" dt="2022-02-28T09:24:50.525" v="183" actId="1076"/>
+          <ac:picMkLst>
+            <pc:docMk/>
+            <pc:sldMk cId="3399817946" sldId="292"/>
+            <ac:picMk id="4" creationId="{927B40BF-0797-413A-AC02-451627EAA007}"/>
+          </ac:picMkLst>
+        </pc:picChg>
+      </pc:sldChg>
+    </pc:docChg>
+  </pc:docChgLst>
+</pc:chgInfo>
 </file>
 
 <file path=ppt/notesMasters/notesMaster1.xml><?xml version="1.0" encoding="utf-8"?>
@@ -3018,7 +3230,7 @@
   <p:cSld>
     <p:spTree>
       <p:nvGrpSpPr>
-        <p:cNvPr id="1" name="Shape 80"/>
+        <p:cNvPr id="1" name="Shape 69"/>
         <p:cNvGrpSpPr/>
         <p:nvPr/>
       </p:nvGrpSpPr>
@@ -3032,7 +3244,7 @@
       </p:grpSpPr>
       <p:sp>
         <p:nvSpPr>
-          <p:cNvPr id="81" name="Google Shape;81;gac10fef634_0_25:notes"/>
+          <p:cNvPr id="70" name="Google Shape;70;gac10fef634_0_16:notes"/>
           <p:cNvSpPr>
             <a:spLocks noGrp="1" noRot="1" noChangeAspect="1"/>
           </p:cNvSpPr>
@@ -3073,7 +3285,7 @@
       </p:sp>
       <p:sp>
         <p:nvSpPr>
-          <p:cNvPr id="82" name="Google Shape;82;gac10fef634_0_25:notes"/>
+          <p:cNvPr id="71" name="Google Shape;71;gac10fef634_0_16:notes"/>
           <p:cNvSpPr txBox="1">
             <a:spLocks noGrp="1"/>
           </p:cNvSpPr>
@@ -3103,27 +3315,6 @@
               <a:spcAft>
                 <a:spcPts val="0"/>
               </a:spcAft>
-              <a:buClr>
-                <a:schemeClr val="dk1"/>
-              </a:buClr>
-              <a:buSzPts val="1100"/>
-              <a:buFont typeface="Arial"/>
-              <a:buNone/>
-            </a:pPr>
-            <a:r>
-              <a:rPr lang="en"/>
-              <a:t>Your version control evidence should go here.  This could be in the form of annotated screenshots which show you you managed this process or you could make a brief screencast explaining how you implemented version control.</a:t>
-            </a:r>
-            <a:endParaRPr/>
-          </a:p>
-          <a:p>
-            <a:pPr marL="0" lvl="0" indent="0" algn="l" rtl="0">
-              <a:spcBef>
-                <a:spcPts val="0"/>
-              </a:spcBef>
-              <a:spcAft>
-                <a:spcPts val="0"/>
-              </a:spcAft>
               <a:buNone/>
             </a:pPr>
             <a:endParaRPr/>
@@ -3131,6 +3322,11 @@
         </p:txBody>
       </p:sp>
     </p:spTree>
+    <p:extLst>
+      <p:ext uri="{BB962C8B-B14F-4D97-AF65-F5344CB8AC3E}">
+        <p14:creationId xmlns:p14="http://schemas.microsoft.com/office/powerpoint/2010/main" val="3937055619"/>
+      </p:ext>
+    </p:extLst>
   </p:cSld>
   <p:clrMapOvr>
     <a:masterClrMapping/>
@@ -3264,6 +3460,458 @@
 </file>
 
 <file path=ppt/notesSlides/notesSlide30.xml><?xml version="1.0" encoding="utf-8"?>
+<p:notes xmlns:a="http://schemas.openxmlformats.org/drawingml/2006/main" xmlns:r="http://schemas.openxmlformats.org/officeDocument/2006/relationships" xmlns:p="http://schemas.openxmlformats.org/presentationml/2006/main" showMasterSp="0" showMasterPhAnim="0">
+  <p:cSld>
+    <p:spTree>
+      <p:nvGrpSpPr>
+        <p:cNvPr id="1" name="Shape 74"/>
+        <p:cNvGrpSpPr/>
+        <p:nvPr/>
+      </p:nvGrpSpPr>
+      <p:grpSpPr>
+        <a:xfrm>
+          <a:off x="0" y="0"/>
+          <a:ext cx="0" cy="0"/>
+          <a:chOff x="0" y="0"/>
+          <a:chExt cx="0" cy="0"/>
+        </a:xfrm>
+      </p:grpSpPr>
+      <p:sp>
+        <p:nvSpPr>
+          <p:cNvPr id="75" name="Google Shape;75;gac10fef634_0_20:notes"/>
+          <p:cNvSpPr>
+            <a:spLocks noGrp="1" noRot="1" noChangeAspect="1"/>
+          </p:cNvSpPr>
+          <p:nvPr>
+            <p:ph type="sldImg" idx="2"/>
+          </p:nvPr>
+        </p:nvSpPr>
+        <p:spPr>
+          <a:xfrm>
+            <a:off x="381000" y="685800"/>
+            <a:ext cx="6096000" cy="3429000"/>
+          </a:xfrm>
+          <a:custGeom>
+            <a:avLst/>
+            <a:gdLst/>
+            <a:ahLst/>
+            <a:cxnLst/>
+            <a:rect l="l" t="t" r="r" b="b"/>
+            <a:pathLst>
+              <a:path w="120000" h="120000" extrusionOk="0">
+                <a:moveTo>
+                  <a:pt x="0" y="0"/>
+                </a:moveTo>
+                <a:lnTo>
+                  <a:pt x="120000" y="0"/>
+                </a:lnTo>
+                <a:lnTo>
+                  <a:pt x="120000" y="120000"/>
+                </a:lnTo>
+                <a:lnTo>
+                  <a:pt x="0" y="120000"/>
+                </a:lnTo>
+                <a:close/>
+              </a:path>
+            </a:pathLst>
+          </a:custGeom>
+        </p:spPr>
+      </p:sp>
+      <p:sp>
+        <p:nvSpPr>
+          <p:cNvPr id="76" name="Google Shape;76;gac10fef634_0_20:notes"/>
+          <p:cNvSpPr txBox="1">
+            <a:spLocks noGrp="1"/>
+          </p:cNvSpPr>
+          <p:nvPr>
+            <p:ph type="body" idx="1"/>
+          </p:nvPr>
+        </p:nvSpPr>
+        <p:spPr>
+          <a:xfrm>
+            <a:off x="685800" y="4343400"/>
+            <a:ext cx="5486400" cy="4114800"/>
+          </a:xfrm>
+          <a:prstGeom prst="rect">
+            <a:avLst/>
+          </a:prstGeom>
+        </p:spPr>
+        <p:txBody>
+          <a:bodyPr spcFirstLastPara="1" wrap="square" lIns="91425" tIns="91425" rIns="91425" bIns="91425" anchor="t" anchorCtr="0">
+            <a:noAutofit/>
+          </a:bodyPr>
+          <a:lstStyle/>
+          <a:p>
+            <a:pPr marL="0" lvl="0" indent="0" algn="l" rtl="0">
+              <a:spcBef>
+                <a:spcPts val="0"/>
+              </a:spcBef>
+              <a:spcAft>
+                <a:spcPts val="0"/>
+              </a:spcAft>
+              <a:buNone/>
+            </a:pPr>
+            <a:endParaRPr dirty="0"/>
+          </a:p>
+        </p:txBody>
+      </p:sp>
+    </p:spTree>
+    <p:extLst>
+      <p:ext uri="{BB962C8B-B14F-4D97-AF65-F5344CB8AC3E}">
+        <p14:creationId xmlns:p14="http://schemas.microsoft.com/office/powerpoint/2010/main" val="3143030862"/>
+      </p:ext>
+    </p:extLst>
+  </p:cSld>
+  <p:clrMapOvr>
+    <a:masterClrMapping/>
+  </p:clrMapOvr>
+</p:notes>
+</file>
+
+<file path=ppt/notesSlides/notesSlide31.xml><?xml version="1.0" encoding="utf-8"?>
+<p:notes xmlns:a="http://schemas.openxmlformats.org/drawingml/2006/main" xmlns:r="http://schemas.openxmlformats.org/officeDocument/2006/relationships" xmlns:p="http://schemas.openxmlformats.org/presentationml/2006/main" showMasterSp="0" showMasterPhAnim="0">
+  <p:cSld>
+    <p:spTree>
+      <p:nvGrpSpPr>
+        <p:cNvPr id="1" name="Shape 69"/>
+        <p:cNvGrpSpPr/>
+        <p:nvPr/>
+      </p:nvGrpSpPr>
+      <p:grpSpPr>
+        <a:xfrm>
+          <a:off x="0" y="0"/>
+          <a:ext cx="0" cy="0"/>
+          <a:chOff x="0" y="0"/>
+          <a:chExt cx="0" cy="0"/>
+        </a:xfrm>
+      </p:grpSpPr>
+      <p:sp>
+        <p:nvSpPr>
+          <p:cNvPr id="70" name="Google Shape;70;gac10fef634_0_16:notes"/>
+          <p:cNvSpPr>
+            <a:spLocks noGrp="1" noRot="1" noChangeAspect="1"/>
+          </p:cNvSpPr>
+          <p:nvPr>
+            <p:ph type="sldImg" idx="2"/>
+          </p:nvPr>
+        </p:nvSpPr>
+        <p:spPr>
+          <a:xfrm>
+            <a:off x="381000" y="685800"/>
+            <a:ext cx="6096000" cy="3429000"/>
+          </a:xfrm>
+          <a:custGeom>
+            <a:avLst/>
+            <a:gdLst/>
+            <a:ahLst/>
+            <a:cxnLst/>
+            <a:rect l="l" t="t" r="r" b="b"/>
+            <a:pathLst>
+              <a:path w="120000" h="120000" extrusionOk="0">
+                <a:moveTo>
+                  <a:pt x="0" y="0"/>
+                </a:moveTo>
+                <a:lnTo>
+                  <a:pt x="120000" y="0"/>
+                </a:lnTo>
+                <a:lnTo>
+                  <a:pt x="120000" y="120000"/>
+                </a:lnTo>
+                <a:lnTo>
+                  <a:pt x="0" y="120000"/>
+                </a:lnTo>
+                <a:close/>
+              </a:path>
+            </a:pathLst>
+          </a:custGeom>
+        </p:spPr>
+      </p:sp>
+      <p:sp>
+        <p:nvSpPr>
+          <p:cNvPr id="71" name="Google Shape;71;gac10fef634_0_16:notes"/>
+          <p:cNvSpPr txBox="1">
+            <a:spLocks noGrp="1"/>
+          </p:cNvSpPr>
+          <p:nvPr>
+            <p:ph type="body" idx="1"/>
+          </p:nvPr>
+        </p:nvSpPr>
+        <p:spPr>
+          <a:xfrm>
+            <a:off x="685800" y="4343400"/>
+            <a:ext cx="5486400" cy="4114800"/>
+          </a:xfrm>
+          <a:prstGeom prst="rect">
+            <a:avLst/>
+          </a:prstGeom>
+        </p:spPr>
+        <p:txBody>
+          <a:bodyPr spcFirstLastPara="1" wrap="square" lIns="91425" tIns="91425" rIns="91425" bIns="91425" anchor="t" anchorCtr="0">
+            <a:noAutofit/>
+          </a:bodyPr>
+          <a:lstStyle/>
+          <a:p>
+            <a:pPr marL="0" lvl="0" indent="0" algn="l" rtl="0">
+              <a:spcBef>
+                <a:spcPts val="0"/>
+              </a:spcBef>
+              <a:spcAft>
+                <a:spcPts val="0"/>
+              </a:spcAft>
+              <a:buNone/>
+            </a:pPr>
+            <a:endParaRPr/>
+          </a:p>
+        </p:txBody>
+      </p:sp>
+    </p:spTree>
+    <p:extLst>
+      <p:ext uri="{BB962C8B-B14F-4D97-AF65-F5344CB8AC3E}">
+        <p14:creationId xmlns:p14="http://schemas.microsoft.com/office/powerpoint/2010/main" val="3870416575"/>
+      </p:ext>
+    </p:extLst>
+  </p:cSld>
+  <p:clrMapOvr>
+    <a:masterClrMapping/>
+  </p:clrMapOvr>
+</p:notes>
+</file>
+
+<file path=ppt/notesSlides/notesSlide32.xml><?xml version="1.0" encoding="utf-8"?>
+<p:notes xmlns:a="http://schemas.openxmlformats.org/drawingml/2006/main" xmlns:r="http://schemas.openxmlformats.org/officeDocument/2006/relationships" xmlns:p="http://schemas.openxmlformats.org/presentationml/2006/main" showMasterSp="0" showMasterPhAnim="0">
+  <p:cSld>
+    <p:spTree>
+      <p:nvGrpSpPr>
+        <p:cNvPr id="1" name="Shape 74"/>
+        <p:cNvGrpSpPr/>
+        <p:nvPr/>
+      </p:nvGrpSpPr>
+      <p:grpSpPr>
+        <a:xfrm>
+          <a:off x="0" y="0"/>
+          <a:ext cx="0" cy="0"/>
+          <a:chOff x="0" y="0"/>
+          <a:chExt cx="0" cy="0"/>
+        </a:xfrm>
+      </p:grpSpPr>
+      <p:sp>
+        <p:nvSpPr>
+          <p:cNvPr id="75" name="Google Shape;75;gac10fef634_0_20:notes"/>
+          <p:cNvSpPr>
+            <a:spLocks noGrp="1" noRot="1" noChangeAspect="1"/>
+          </p:cNvSpPr>
+          <p:nvPr>
+            <p:ph type="sldImg" idx="2"/>
+          </p:nvPr>
+        </p:nvSpPr>
+        <p:spPr>
+          <a:xfrm>
+            <a:off x="381000" y="685800"/>
+            <a:ext cx="6096000" cy="3429000"/>
+          </a:xfrm>
+          <a:custGeom>
+            <a:avLst/>
+            <a:gdLst/>
+            <a:ahLst/>
+            <a:cxnLst/>
+            <a:rect l="l" t="t" r="r" b="b"/>
+            <a:pathLst>
+              <a:path w="120000" h="120000" extrusionOk="0">
+                <a:moveTo>
+                  <a:pt x="0" y="0"/>
+                </a:moveTo>
+                <a:lnTo>
+                  <a:pt x="120000" y="0"/>
+                </a:lnTo>
+                <a:lnTo>
+                  <a:pt x="120000" y="120000"/>
+                </a:lnTo>
+                <a:lnTo>
+                  <a:pt x="0" y="120000"/>
+                </a:lnTo>
+                <a:close/>
+              </a:path>
+            </a:pathLst>
+          </a:custGeom>
+        </p:spPr>
+      </p:sp>
+      <p:sp>
+        <p:nvSpPr>
+          <p:cNvPr id="76" name="Google Shape;76;gac10fef634_0_20:notes"/>
+          <p:cNvSpPr txBox="1">
+            <a:spLocks noGrp="1"/>
+          </p:cNvSpPr>
+          <p:nvPr>
+            <p:ph type="body" idx="1"/>
+          </p:nvPr>
+        </p:nvSpPr>
+        <p:spPr>
+          <a:xfrm>
+            <a:off x="685800" y="4343400"/>
+            <a:ext cx="5486400" cy="4114800"/>
+          </a:xfrm>
+          <a:prstGeom prst="rect">
+            <a:avLst/>
+          </a:prstGeom>
+        </p:spPr>
+        <p:txBody>
+          <a:bodyPr spcFirstLastPara="1" wrap="square" lIns="91425" tIns="91425" rIns="91425" bIns="91425" anchor="t" anchorCtr="0">
+            <a:noAutofit/>
+          </a:bodyPr>
+          <a:lstStyle/>
+          <a:p>
+            <a:pPr marL="0" lvl="0" indent="0" algn="l" rtl="0">
+              <a:spcBef>
+                <a:spcPts val="0"/>
+              </a:spcBef>
+              <a:spcAft>
+                <a:spcPts val="0"/>
+              </a:spcAft>
+              <a:buNone/>
+            </a:pPr>
+            <a:endParaRPr dirty="0"/>
+          </a:p>
+        </p:txBody>
+      </p:sp>
+    </p:spTree>
+    <p:extLst>
+      <p:ext uri="{BB962C8B-B14F-4D97-AF65-F5344CB8AC3E}">
+        <p14:creationId xmlns:p14="http://schemas.microsoft.com/office/powerpoint/2010/main" val="2323952613"/>
+      </p:ext>
+    </p:extLst>
+  </p:cSld>
+  <p:clrMapOvr>
+    <a:masterClrMapping/>
+  </p:clrMapOvr>
+</p:notes>
+</file>
+
+<file path=ppt/notesSlides/notesSlide33.xml><?xml version="1.0" encoding="utf-8"?>
+<p:notes xmlns:a="http://schemas.openxmlformats.org/drawingml/2006/main" xmlns:r="http://schemas.openxmlformats.org/officeDocument/2006/relationships" xmlns:p="http://schemas.openxmlformats.org/presentationml/2006/main" showMasterSp="0" showMasterPhAnim="0">
+  <p:cSld>
+    <p:spTree>
+      <p:nvGrpSpPr>
+        <p:cNvPr id="1" name="Shape 80"/>
+        <p:cNvGrpSpPr/>
+        <p:nvPr/>
+      </p:nvGrpSpPr>
+      <p:grpSpPr>
+        <a:xfrm>
+          <a:off x="0" y="0"/>
+          <a:ext cx="0" cy="0"/>
+          <a:chOff x="0" y="0"/>
+          <a:chExt cx="0" cy="0"/>
+        </a:xfrm>
+      </p:grpSpPr>
+      <p:sp>
+        <p:nvSpPr>
+          <p:cNvPr id="81" name="Google Shape;81;gac10fef634_0_25:notes"/>
+          <p:cNvSpPr>
+            <a:spLocks noGrp="1" noRot="1" noChangeAspect="1"/>
+          </p:cNvSpPr>
+          <p:nvPr>
+            <p:ph type="sldImg" idx="2"/>
+          </p:nvPr>
+        </p:nvSpPr>
+        <p:spPr>
+          <a:xfrm>
+            <a:off x="381000" y="685800"/>
+            <a:ext cx="6096000" cy="3429000"/>
+          </a:xfrm>
+          <a:custGeom>
+            <a:avLst/>
+            <a:gdLst/>
+            <a:ahLst/>
+            <a:cxnLst/>
+            <a:rect l="l" t="t" r="r" b="b"/>
+            <a:pathLst>
+              <a:path w="120000" h="120000" extrusionOk="0">
+                <a:moveTo>
+                  <a:pt x="0" y="0"/>
+                </a:moveTo>
+                <a:lnTo>
+                  <a:pt x="120000" y="0"/>
+                </a:lnTo>
+                <a:lnTo>
+                  <a:pt x="120000" y="120000"/>
+                </a:lnTo>
+                <a:lnTo>
+                  <a:pt x="0" y="120000"/>
+                </a:lnTo>
+                <a:close/>
+              </a:path>
+            </a:pathLst>
+          </a:custGeom>
+        </p:spPr>
+      </p:sp>
+      <p:sp>
+        <p:nvSpPr>
+          <p:cNvPr id="82" name="Google Shape;82;gac10fef634_0_25:notes"/>
+          <p:cNvSpPr txBox="1">
+            <a:spLocks noGrp="1"/>
+          </p:cNvSpPr>
+          <p:nvPr>
+            <p:ph type="body" idx="1"/>
+          </p:nvPr>
+        </p:nvSpPr>
+        <p:spPr>
+          <a:xfrm>
+            <a:off x="685800" y="4343400"/>
+            <a:ext cx="5486400" cy="4114800"/>
+          </a:xfrm>
+          <a:prstGeom prst="rect">
+            <a:avLst/>
+          </a:prstGeom>
+        </p:spPr>
+        <p:txBody>
+          <a:bodyPr spcFirstLastPara="1" wrap="square" lIns="91425" tIns="91425" rIns="91425" bIns="91425" anchor="t" anchorCtr="0">
+            <a:noAutofit/>
+          </a:bodyPr>
+          <a:lstStyle/>
+          <a:p>
+            <a:pPr marL="0" lvl="0" indent="0" algn="l" rtl="0">
+              <a:spcBef>
+                <a:spcPts val="0"/>
+              </a:spcBef>
+              <a:spcAft>
+                <a:spcPts val="0"/>
+              </a:spcAft>
+              <a:buClr>
+                <a:schemeClr val="dk1"/>
+              </a:buClr>
+              <a:buSzPts val="1100"/>
+              <a:buFont typeface="Arial"/>
+              <a:buNone/>
+            </a:pPr>
+            <a:r>
+              <a:rPr lang="en"/>
+              <a:t>Your version control evidence should go here.  This could be in the form of annotated screenshots which show you you managed this process or you could make a brief screencast explaining how you implemented version control.</a:t>
+            </a:r>
+            <a:endParaRPr/>
+          </a:p>
+          <a:p>
+            <a:pPr marL="0" lvl="0" indent="0" algn="l" rtl="0">
+              <a:spcBef>
+                <a:spcPts val="0"/>
+              </a:spcBef>
+              <a:spcAft>
+                <a:spcPts val="0"/>
+              </a:spcAft>
+              <a:buNone/>
+            </a:pPr>
+            <a:endParaRPr/>
+          </a:p>
+        </p:txBody>
+      </p:sp>
+    </p:spTree>
+  </p:cSld>
+  <p:clrMapOvr>
+    <a:masterClrMapping/>
+  </p:clrMapOvr>
+</p:notes>
+</file>
+
+<file path=ppt/notesSlides/notesSlide34.xml><?xml version="1.0" encoding="utf-8"?>
 <p:notes xmlns:a="http://schemas.openxmlformats.org/drawingml/2006/main" xmlns:r="http://schemas.openxmlformats.org/officeDocument/2006/relationships" xmlns:p="http://schemas.openxmlformats.org/presentationml/2006/main" showMasterSp="0" showMasterPhAnim="0">
   <p:cSld>
     <p:spTree>
@@ -13643,7 +14291,7 @@
         </p:blipFill>
         <p:spPr>
           <a:xfrm>
-            <a:off x="4869368" y="977819"/>
+            <a:off x="4889994" y="1017725"/>
             <a:ext cx="3717742" cy="1838500"/>
           </a:xfrm>
           <a:prstGeom prst="rect">
@@ -14114,7 +14762,7 @@
     </p:bg>
     <p:spTree>
       <p:nvGrpSpPr>
-        <p:cNvPr id="1" name="Shape 83"/>
+        <p:cNvPr id="1" name="Shape 72"/>
         <p:cNvGrpSpPr/>
         <p:nvPr/>
       </p:nvGrpSpPr>
@@ -14128,7 +14776,7 @@
       </p:grpSpPr>
       <p:sp>
         <p:nvSpPr>
-          <p:cNvPr id="84" name="Google Shape;84;p18"/>
+          <p:cNvPr id="73" name="Google Shape;73;p16"/>
           <p:cNvSpPr txBox="1">
             <a:spLocks noGrp="1"/>
           </p:cNvSpPr>
@@ -14138,7 +14786,7 @@
         </p:nvSpPr>
         <p:spPr>
           <a:xfrm>
-            <a:off x="311700" y="445025"/>
+            <a:off x="311700" y="422903"/>
             <a:ext cx="8520600" cy="572700"/>
           </a:xfrm>
           <a:prstGeom prst="rect">
@@ -14161,56 +14809,49 @@
               <a:buNone/>
             </a:pPr>
             <a:r>
-              <a:rPr lang="en"/>
-              <a:t>Version Control Evidence</a:t>
+              <a:rPr lang="en" dirty="0"/>
+              <a:t>Component 5 Pizza menu (Trello screenshot)</a:t>
             </a:r>
-            <a:endParaRPr/>
+            <a:endParaRPr dirty="0"/>
           </a:p>
         </p:txBody>
       </p:sp>
-      <p:sp>
-        <p:nvSpPr>
-          <p:cNvPr id="85" name="Google Shape;85;p18"/>
-          <p:cNvSpPr txBox="1">
-            <a:spLocks noGrp="1"/>
-          </p:cNvSpPr>
-          <p:nvPr>
-            <p:ph type="body" idx="1"/>
-          </p:nvPr>
-        </p:nvSpPr>
-        <p:spPr>
-          <a:xfrm>
-            <a:off x="311700" y="1152475"/>
-            <a:ext cx="8464200" cy="3739200"/>
+      <p:pic>
+        <p:nvPicPr>
+          <p:cNvPr id="3" name="Picture 2">
+            <a:extLst>
+              <a:ext uri="{FF2B5EF4-FFF2-40B4-BE49-F238E27FC236}">
+                <a16:creationId xmlns:a16="http://schemas.microsoft.com/office/drawing/2014/main" id="{80368159-401B-49AF-B97D-DCDA1628CD44}"/>
+              </a:ext>
+            </a:extLst>
+          </p:cNvPr>
+          <p:cNvPicPr>
+            <a:picLocks noChangeAspect="1"/>
+          </p:cNvPicPr>
+          <p:nvPr/>
+        </p:nvPicPr>
+        <p:blipFill>
+          <a:blip r:embed="rId3"/>
+          <a:stretch>
+            <a:fillRect/>
+          </a:stretch>
+        </p:blipFill>
+        <p:spPr>
+          <a:xfrm>
+            <a:off x="0" y="1747372"/>
+            <a:ext cx="9144000" cy="2735035"/>
           </a:xfrm>
           <a:prstGeom prst="rect">
             <a:avLst/>
           </a:prstGeom>
         </p:spPr>
-        <p:txBody>
-          <a:bodyPr spcFirstLastPara="1" wrap="square" lIns="91425" tIns="91425" rIns="91425" bIns="91425" anchor="t" anchorCtr="0">
-            <a:noAutofit/>
-          </a:bodyPr>
-          <a:lstStyle/>
-          <a:p>
-            <a:pPr marL="0" lvl="0" indent="0" algn="l" rtl="0">
-              <a:spcBef>
-                <a:spcPts val="0"/>
-              </a:spcBef>
-              <a:spcAft>
-                <a:spcPts val="1600"/>
-              </a:spcAft>
-              <a:buNone/>
-            </a:pPr>
-            <a:r>
-              <a:rPr lang="en" i="1"/>
-              <a:t>Your version control evidence should go here.  This could be in the form of annotated screenshots which show you you managed this process or you could make a brief screencast explaining how you implemented version control.</a:t>
-            </a:r>
-            <a:endParaRPr i="1"/>
-          </a:p>
-        </p:txBody>
-      </p:sp>
+      </p:pic>
     </p:spTree>
+    <p:extLst>
+      <p:ext uri="{BB962C8B-B14F-4D97-AF65-F5344CB8AC3E}">
+        <p14:creationId xmlns:p14="http://schemas.microsoft.com/office/powerpoint/2010/main" val="2116301660"/>
+      </p:ext>
+    </p:extLst>
   </p:cSld>
   <p:clrMapOvr>
     <a:masterClrMapping/>
@@ -14366,6 +15007,895 @@
 </file>
 
 <file path=ppt/slides/slide30.xml><?xml version="1.0" encoding="utf-8"?>
+<p:sld xmlns:a="http://schemas.openxmlformats.org/drawingml/2006/main" xmlns:r="http://schemas.openxmlformats.org/officeDocument/2006/relationships" xmlns:p="http://schemas.openxmlformats.org/presentationml/2006/main">
+  <p:cSld>
+    <p:spTree>
+      <p:nvGrpSpPr>
+        <p:cNvPr id="1" name="Shape 77"/>
+        <p:cNvGrpSpPr/>
+        <p:nvPr/>
+      </p:nvGrpSpPr>
+      <p:grpSpPr>
+        <a:xfrm>
+          <a:off x="0" y="0"/>
+          <a:ext cx="0" cy="0"/>
+          <a:chOff x="0" y="0"/>
+          <a:chExt cx="0" cy="0"/>
+        </a:xfrm>
+      </p:grpSpPr>
+      <p:sp>
+        <p:nvSpPr>
+          <p:cNvPr id="78" name="Google Shape;78;p17"/>
+          <p:cNvSpPr txBox="1">
+            <a:spLocks noGrp="1"/>
+          </p:cNvSpPr>
+          <p:nvPr>
+            <p:ph type="title"/>
+          </p:nvPr>
+        </p:nvSpPr>
+        <p:spPr>
+          <a:xfrm>
+            <a:off x="311700" y="445025"/>
+            <a:ext cx="8520600" cy="572700"/>
+          </a:xfrm>
+          <a:prstGeom prst="rect">
+            <a:avLst/>
+          </a:prstGeom>
+        </p:spPr>
+        <p:txBody>
+          <a:bodyPr spcFirstLastPara="1" wrap="square" lIns="91425" tIns="91425" rIns="91425" bIns="91425" anchor="t" anchorCtr="0">
+            <a:noAutofit/>
+          </a:bodyPr>
+          <a:lstStyle/>
+          <a:p>
+            <a:pPr marL="0" lvl="0" indent="0" algn="l" rtl="0">
+              <a:spcBef>
+                <a:spcPts val="0"/>
+              </a:spcBef>
+              <a:spcAft>
+                <a:spcPts val="0"/>
+              </a:spcAft>
+              <a:buNone/>
+            </a:pPr>
+            <a:r>
+              <a:rPr lang="en" dirty="0"/>
+              <a:t>Component pizza menu 5 v2 </a:t>
+            </a:r>
+            <a:endParaRPr dirty="0"/>
+          </a:p>
+        </p:txBody>
+      </p:sp>
+      <p:graphicFrame>
+        <p:nvGraphicFramePr>
+          <p:cNvPr id="79" name="Google Shape;79;p17"/>
+          <p:cNvGraphicFramePr/>
+          <p:nvPr>
+            <p:extLst>
+              <p:ext uri="{D42A27DB-BD31-4B8C-83A1-F6EECF244321}">
+                <p14:modId xmlns:p14="http://schemas.microsoft.com/office/powerpoint/2010/main" val="1787759426"/>
+              </p:ext>
+            </p:extLst>
+          </p:nvPr>
+        </p:nvGraphicFramePr>
+        <p:xfrm>
+          <a:off x="373578" y="3584019"/>
+          <a:ext cx="8520600" cy="1798230"/>
+        </p:xfrm>
+        <a:graphic>
+          <a:graphicData uri="http://schemas.openxmlformats.org/drawingml/2006/table">
+            <a:tbl>
+              <a:tblPr>
+                <a:noFill/>
+                <a:tableStyleId>{E1099E06-0E6B-448D-9D27-60429F06E6F4}</a:tableStyleId>
+              </a:tblPr>
+              <a:tblGrid>
+                <a:gridCol w="4260300">
+                  <a:extLst>
+                    <a:ext uri="{9D8B030D-6E8A-4147-A177-3AD203B41FA5}">
+                      <a16:colId xmlns:a16="http://schemas.microsoft.com/office/drawing/2014/main" val="20000"/>
+                    </a:ext>
+                  </a:extLst>
+                </a:gridCol>
+                <a:gridCol w="4260300">
+                  <a:extLst>
+                    <a:ext uri="{9D8B030D-6E8A-4147-A177-3AD203B41FA5}">
+                      <a16:colId xmlns:a16="http://schemas.microsoft.com/office/drawing/2014/main" val="20001"/>
+                    </a:ext>
+                  </a:extLst>
+                </a:gridCol>
+              </a:tblGrid>
+              <a:tr h="408222">
+                <a:tc>
+                  <a:txBody>
+                    <a:bodyPr/>
+                    <a:lstStyle/>
+                    <a:p>
+                      <a:pPr marL="0" lvl="0" indent="0" algn="l" rtl="0">
+                        <a:spcBef>
+                          <a:spcPts val="0"/>
+                        </a:spcBef>
+                        <a:spcAft>
+                          <a:spcPts val="0"/>
+                        </a:spcAft>
+                        <a:buNone/>
+                      </a:pPr>
+                      <a:r>
+                        <a:rPr lang="en" sz="1800" b="1" dirty="0"/>
+                        <a:t>Test Case</a:t>
+                      </a:r>
+                      <a:endParaRPr sz="1800" b="1" dirty="0"/>
+                    </a:p>
+                  </a:txBody>
+                  <a:tcPr marL="91425" marR="91425" marT="91425" marB="91425">
+                    <a:solidFill>
+                      <a:srgbClr val="CCCCCC"/>
+                    </a:solidFill>
+                  </a:tcPr>
+                </a:tc>
+                <a:tc>
+                  <a:txBody>
+                    <a:bodyPr/>
+                    <a:lstStyle/>
+                    <a:p>
+                      <a:pPr marL="0" lvl="0" indent="0" algn="l" rtl="0">
+                        <a:spcBef>
+                          <a:spcPts val="0"/>
+                        </a:spcBef>
+                        <a:spcAft>
+                          <a:spcPts val="0"/>
+                        </a:spcAft>
+                        <a:buNone/>
+                      </a:pPr>
+                      <a:r>
+                        <a:rPr lang="en" sz="1800" b="1" dirty="0"/>
+                        <a:t>Expected Values</a:t>
+                      </a:r>
+                      <a:endParaRPr sz="1800" b="1" dirty="0"/>
+                    </a:p>
+                  </a:txBody>
+                  <a:tcPr marL="91425" marR="91425" marT="91425" marB="91425">
+                    <a:solidFill>
+                      <a:srgbClr val="CCCCCC"/>
+                    </a:solidFill>
+                  </a:tcPr>
+                </a:tc>
+                <a:extLst>
+                  <a:ext uri="{0D108BD9-81ED-4DB2-BD59-A6C34878D82A}">
+                    <a16:rowId xmlns:a16="http://schemas.microsoft.com/office/drawing/2014/main" val="10000"/>
+                  </a:ext>
+                </a:extLst>
+              </a:tr>
+              <a:tr h="693394">
+                <a:tc>
+                  <a:txBody>
+                    <a:bodyPr/>
+                    <a:lstStyle/>
+                    <a:p>
+                      <a:pPr marL="0" lvl="0" indent="0" algn="l" rtl="0">
+                        <a:spcBef>
+                          <a:spcPts val="0"/>
+                        </a:spcBef>
+                        <a:spcAft>
+                          <a:spcPts val="0"/>
+                        </a:spcAft>
+                        <a:buNone/>
+                      </a:pPr>
+                      <a:r>
+                        <a:rPr lang="en-US" sz="1600" dirty="0"/>
+                        <a:t>Run file</a:t>
+                      </a:r>
+                      <a:endParaRPr sz="1600" dirty="0"/>
+                    </a:p>
+                  </a:txBody>
+                  <a:tcPr marL="91425" marR="91425" marT="91425" marB="91425"/>
+                </a:tc>
+                <a:tc>
+                  <a:txBody>
+                    <a:bodyPr/>
+                    <a:lstStyle/>
+                    <a:p>
+                      <a:pPr marL="0" lvl="0" indent="0" algn="l" rtl="0">
+                        <a:spcBef>
+                          <a:spcPts val="0"/>
+                        </a:spcBef>
+                        <a:spcAft>
+                          <a:spcPts val="0"/>
+                        </a:spcAft>
+                        <a:buNone/>
+                      </a:pPr>
+                      <a:r>
+                        <a:rPr lang="en-US" sz="1600" dirty="0"/>
+                        <a:t>Printed a list with index number, pizzas and prices with price formatted to 2 decimal places and dollar sign. Menu starts at.</a:t>
+                      </a:r>
+                      <a:endParaRPr sz="1600" dirty="0"/>
+                    </a:p>
+                  </a:txBody>
+                  <a:tcPr marL="91425" marR="91425" marT="91425" marB="91425"/>
+                </a:tc>
+                <a:extLst>
+                  <a:ext uri="{0D108BD9-81ED-4DB2-BD59-A6C34878D82A}">
+                    <a16:rowId xmlns:a16="http://schemas.microsoft.com/office/drawing/2014/main" val="10001"/>
+                  </a:ext>
+                </a:extLst>
+              </a:tr>
+              <a:tr h="323572">
+                <a:tc>
+                  <a:txBody>
+                    <a:bodyPr/>
+                    <a:lstStyle/>
+                    <a:p>
+                      <a:pPr marL="0" lvl="0" indent="0" algn="l" rtl="0">
+                        <a:spcBef>
+                          <a:spcPts val="0"/>
+                        </a:spcBef>
+                        <a:spcAft>
+                          <a:spcPts val="0"/>
+                        </a:spcAft>
+                        <a:buNone/>
+                      </a:pPr>
+                      <a:endParaRPr sz="1600" dirty="0"/>
+                    </a:p>
+                  </a:txBody>
+                  <a:tcPr marL="91425" marR="91425" marT="91425" marB="91425"/>
+                </a:tc>
+                <a:tc>
+                  <a:txBody>
+                    <a:bodyPr/>
+                    <a:lstStyle/>
+                    <a:p>
+                      <a:pPr marL="0" lvl="0" indent="0" algn="l" rtl="0">
+                        <a:spcBef>
+                          <a:spcPts val="0"/>
+                        </a:spcBef>
+                        <a:spcAft>
+                          <a:spcPts val="0"/>
+                        </a:spcAft>
+                        <a:buNone/>
+                      </a:pPr>
+                      <a:endParaRPr sz="1600" dirty="0"/>
+                    </a:p>
+                  </a:txBody>
+                  <a:tcPr marL="91425" marR="91425" marT="91425" marB="91425"/>
+                </a:tc>
+                <a:extLst>
+                  <a:ext uri="{0D108BD9-81ED-4DB2-BD59-A6C34878D82A}">
+                    <a16:rowId xmlns:a16="http://schemas.microsoft.com/office/drawing/2014/main" val="3552095027"/>
+                  </a:ext>
+                </a:extLst>
+              </a:tr>
+            </a:tbl>
+          </a:graphicData>
+        </a:graphic>
+      </p:graphicFrame>
+      <p:pic>
+        <p:nvPicPr>
+          <p:cNvPr id="4" name="Picture 3">
+            <a:extLst>
+              <a:ext uri="{FF2B5EF4-FFF2-40B4-BE49-F238E27FC236}">
+                <a16:creationId xmlns:a16="http://schemas.microsoft.com/office/drawing/2014/main" id="{B600A79C-C0E4-4C89-8A48-3BA27E1BFD72}"/>
+              </a:ext>
+            </a:extLst>
+          </p:cNvPr>
+          <p:cNvPicPr>
+            <a:picLocks noChangeAspect="1"/>
+          </p:cNvPicPr>
+          <p:nvPr/>
+        </p:nvPicPr>
+        <p:blipFill>
+          <a:blip r:embed="rId3"/>
+          <a:stretch>
+            <a:fillRect/>
+          </a:stretch>
+        </p:blipFill>
+        <p:spPr>
+          <a:xfrm>
+            <a:off x="311701" y="1017726"/>
+            <a:ext cx="3139644" cy="1663936"/>
+          </a:xfrm>
+          <a:prstGeom prst="rect">
+            <a:avLst/>
+          </a:prstGeom>
+        </p:spPr>
+      </p:pic>
+      <p:pic>
+        <p:nvPicPr>
+          <p:cNvPr id="7" name="Picture 6">
+            <a:extLst>
+              <a:ext uri="{FF2B5EF4-FFF2-40B4-BE49-F238E27FC236}">
+                <a16:creationId xmlns:a16="http://schemas.microsoft.com/office/drawing/2014/main" id="{8E00584B-EB8E-4463-8D09-9964D00C24A1}"/>
+              </a:ext>
+            </a:extLst>
+          </p:cNvPr>
+          <p:cNvPicPr>
+            <a:picLocks noChangeAspect="1"/>
+          </p:cNvPicPr>
+          <p:nvPr/>
+        </p:nvPicPr>
+        <p:blipFill>
+          <a:blip r:embed="rId4"/>
+          <a:stretch>
+            <a:fillRect/>
+          </a:stretch>
+        </p:blipFill>
+        <p:spPr>
+          <a:xfrm>
+            <a:off x="3315379" y="1935504"/>
+            <a:ext cx="5840055" cy="1492315"/>
+          </a:xfrm>
+          <a:prstGeom prst="rect">
+            <a:avLst/>
+          </a:prstGeom>
+        </p:spPr>
+      </p:pic>
+    </p:spTree>
+    <p:extLst>
+      <p:ext uri="{BB962C8B-B14F-4D97-AF65-F5344CB8AC3E}">
+        <p14:creationId xmlns:p14="http://schemas.microsoft.com/office/powerpoint/2010/main" val="1490550042"/>
+      </p:ext>
+    </p:extLst>
+  </p:cSld>
+  <p:clrMapOvr>
+    <a:masterClrMapping/>
+  </p:clrMapOvr>
+</p:sld>
+</file>
+
+<file path=ppt/slides/slide31.xml><?xml version="1.0" encoding="utf-8"?>
+<p:sld xmlns:a="http://schemas.openxmlformats.org/drawingml/2006/main" xmlns:r="http://schemas.openxmlformats.org/officeDocument/2006/relationships" xmlns:p="http://schemas.openxmlformats.org/presentationml/2006/main">
+  <p:cSld>
+    <p:bg>
+      <p:bgPr>
+        <a:solidFill>
+          <a:srgbClr val="D9EAD3"/>
+        </a:solidFill>
+        <a:effectLst/>
+      </p:bgPr>
+    </p:bg>
+    <p:spTree>
+      <p:nvGrpSpPr>
+        <p:cNvPr id="1" name="Shape 72"/>
+        <p:cNvGrpSpPr/>
+        <p:nvPr/>
+      </p:nvGrpSpPr>
+      <p:grpSpPr>
+        <a:xfrm>
+          <a:off x="0" y="0"/>
+          <a:ext cx="0" cy="0"/>
+          <a:chOff x="0" y="0"/>
+          <a:chExt cx="0" cy="0"/>
+        </a:xfrm>
+      </p:grpSpPr>
+      <p:sp>
+        <p:nvSpPr>
+          <p:cNvPr id="73" name="Google Shape;73;p16"/>
+          <p:cNvSpPr txBox="1">
+            <a:spLocks noGrp="1"/>
+          </p:cNvSpPr>
+          <p:nvPr>
+            <p:ph type="title"/>
+          </p:nvPr>
+        </p:nvSpPr>
+        <p:spPr>
+          <a:xfrm>
+            <a:off x="311700" y="422903"/>
+            <a:ext cx="8520600" cy="572700"/>
+          </a:xfrm>
+          <a:prstGeom prst="rect">
+            <a:avLst/>
+          </a:prstGeom>
+        </p:spPr>
+        <p:txBody>
+          <a:bodyPr spcFirstLastPara="1" wrap="square" lIns="91425" tIns="91425" rIns="91425" bIns="91425" anchor="t" anchorCtr="0">
+            <a:noAutofit/>
+          </a:bodyPr>
+          <a:lstStyle/>
+          <a:p>
+            <a:pPr marL="0" lvl="0" indent="0" algn="l" rtl="0">
+              <a:spcBef>
+                <a:spcPts val="0"/>
+              </a:spcBef>
+              <a:spcAft>
+                <a:spcPts val="0"/>
+              </a:spcAft>
+              <a:buNone/>
+            </a:pPr>
+            <a:r>
+              <a:rPr lang="en" dirty="0"/>
+              <a:t>Component 5 Pizza menu v3 (Trello screenshot)</a:t>
+            </a:r>
+            <a:endParaRPr dirty="0"/>
+          </a:p>
+        </p:txBody>
+      </p:sp>
+      <p:pic>
+        <p:nvPicPr>
+          <p:cNvPr id="4" name="Picture 3">
+            <a:extLst>
+              <a:ext uri="{FF2B5EF4-FFF2-40B4-BE49-F238E27FC236}">
+                <a16:creationId xmlns:a16="http://schemas.microsoft.com/office/drawing/2014/main" id="{927B40BF-0797-413A-AC02-451627EAA007}"/>
+              </a:ext>
+            </a:extLst>
+          </p:cNvPr>
+          <p:cNvPicPr>
+            <a:picLocks noChangeAspect="1"/>
+          </p:cNvPicPr>
+          <p:nvPr/>
+        </p:nvPicPr>
+        <p:blipFill>
+          <a:blip r:embed="rId3"/>
+          <a:stretch>
+            <a:fillRect/>
+          </a:stretch>
+        </p:blipFill>
+        <p:spPr>
+          <a:xfrm>
+            <a:off x="0" y="1360746"/>
+            <a:ext cx="9144000" cy="3359851"/>
+          </a:xfrm>
+          <a:prstGeom prst="rect">
+            <a:avLst/>
+          </a:prstGeom>
+        </p:spPr>
+      </p:pic>
+    </p:spTree>
+    <p:extLst>
+      <p:ext uri="{BB962C8B-B14F-4D97-AF65-F5344CB8AC3E}">
+        <p14:creationId xmlns:p14="http://schemas.microsoft.com/office/powerpoint/2010/main" val="3399817946"/>
+      </p:ext>
+    </p:extLst>
+  </p:cSld>
+  <p:clrMapOvr>
+    <a:masterClrMapping/>
+  </p:clrMapOvr>
+</p:sld>
+</file>
+
+<file path=ppt/slides/slide32.xml><?xml version="1.0" encoding="utf-8"?>
+<p:sld xmlns:a="http://schemas.openxmlformats.org/drawingml/2006/main" xmlns:r="http://schemas.openxmlformats.org/officeDocument/2006/relationships" xmlns:p="http://schemas.openxmlformats.org/presentationml/2006/main">
+  <p:cSld>
+    <p:spTree>
+      <p:nvGrpSpPr>
+        <p:cNvPr id="1" name="Shape 77"/>
+        <p:cNvGrpSpPr/>
+        <p:nvPr/>
+      </p:nvGrpSpPr>
+      <p:grpSpPr>
+        <a:xfrm>
+          <a:off x="0" y="0"/>
+          <a:ext cx="0" cy="0"/>
+          <a:chOff x="0" y="0"/>
+          <a:chExt cx="0" cy="0"/>
+        </a:xfrm>
+      </p:grpSpPr>
+      <p:sp>
+        <p:nvSpPr>
+          <p:cNvPr id="78" name="Google Shape;78;p17"/>
+          <p:cNvSpPr txBox="1">
+            <a:spLocks noGrp="1"/>
+          </p:cNvSpPr>
+          <p:nvPr>
+            <p:ph type="title"/>
+          </p:nvPr>
+        </p:nvSpPr>
+        <p:spPr>
+          <a:xfrm>
+            <a:off x="311700" y="445025"/>
+            <a:ext cx="8520600" cy="572700"/>
+          </a:xfrm>
+          <a:prstGeom prst="rect">
+            <a:avLst/>
+          </a:prstGeom>
+        </p:spPr>
+        <p:txBody>
+          <a:bodyPr spcFirstLastPara="1" wrap="square" lIns="91425" tIns="91425" rIns="91425" bIns="91425" anchor="t" anchorCtr="0">
+            <a:noAutofit/>
+          </a:bodyPr>
+          <a:lstStyle/>
+          <a:p>
+            <a:pPr marL="0" lvl="0" indent="0" algn="l" rtl="0">
+              <a:spcBef>
+                <a:spcPts val="0"/>
+              </a:spcBef>
+              <a:spcAft>
+                <a:spcPts val="0"/>
+              </a:spcAft>
+              <a:buNone/>
+            </a:pPr>
+            <a:r>
+              <a:rPr lang="en" sz="1800" dirty="0"/>
+              <a:t>Component 5 pizza menu integrated into main program</a:t>
+            </a:r>
+            <a:endParaRPr sz="1800" dirty="0"/>
+          </a:p>
+        </p:txBody>
+      </p:sp>
+      <p:graphicFrame>
+        <p:nvGraphicFramePr>
+          <p:cNvPr id="79" name="Google Shape;79;p17"/>
+          <p:cNvGraphicFramePr/>
+          <p:nvPr/>
+        </p:nvGraphicFramePr>
+        <p:xfrm>
+          <a:off x="373578" y="3584019"/>
+          <a:ext cx="8520600" cy="1798230"/>
+        </p:xfrm>
+        <a:graphic>
+          <a:graphicData uri="http://schemas.openxmlformats.org/drawingml/2006/table">
+            <a:tbl>
+              <a:tblPr>
+                <a:noFill/>
+                <a:tableStyleId>{E1099E06-0E6B-448D-9D27-60429F06E6F4}</a:tableStyleId>
+              </a:tblPr>
+              <a:tblGrid>
+                <a:gridCol w="4260300">
+                  <a:extLst>
+                    <a:ext uri="{9D8B030D-6E8A-4147-A177-3AD203B41FA5}">
+                      <a16:colId xmlns:a16="http://schemas.microsoft.com/office/drawing/2014/main" val="20000"/>
+                    </a:ext>
+                  </a:extLst>
+                </a:gridCol>
+                <a:gridCol w="4260300">
+                  <a:extLst>
+                    <a:ext uri="{9D8B030D-6E8A-4147-A177-3AD203B41FA5}">
+                      <a16:colId xmlns:a16="http://schemas.microsoft.com/office/drawing/2014/main" val="20001"/>
+                    </a:ext>
+                  </a:extLst>
+                </a:gridCol>
+              </a:tblGrid>
+              <a:tr h="408222">
+                <a:tc>
+                  <a:txBody>
+                    <a:bodyPr/>
+                    <a:lstStyle/>
+                    <a:p>
+                      <a:pPr marL="0" lvl="0" indent="0" algn="l" rtl="0">
+                        <a:spcBef>
+                          <a:spcPts val="0"/>
+                        </a:spcBef>
+                        <a:spcAft>
+                          <a:spcPts val="0"/>
+                        </a:spcAft>
+                        <a:buNone/>
+                      </a:pPr>
+                      <a:r>
+                        <a:rPr lang="en" sz="1800" b="1" dirty="0"/>
+                        <a:t>Test Case</a:t>
+                      </a:r>
+                      <a:endParaRPr sz="1800" b="1" dirty="0"/>
+                    </a:p>
+                  </a:txBody>
+                  <a:tcPr marL="91425" marR="91425" marT="91425" marB="91425">
+                    <a:solidFill>
+                      <a:srgbClr val="CCCCCC"/>
+                    </a:solidFill>
+                  </a:tcPr>
+                </a:tc>
+                <a:tc>
+                  <a:txBody>
+                    <a:bodyPr/>
+                    <a:lstStyle/>
+                    <a:p>
+                      <a:pPr marL="0" lvl="0" indent="0" algn="l" rtl="0">
+                        <a:spcBef>
+                          <a:spcPts val="0"/>
+                        </a:spcBef>
+                        <a:spcAft>
+                          <a:spcPts val="0"/>
+                        </a:spcAft>
+                        <a:buNone/>
+                      </a:pPr>
+                      <a:r>
+                        <a:rPr lang="en" sz="1800" b="1" dirty="0"/>
+                        <a:t>Expected Values</a:t>
+                      </a:r>
+                      <a:endParaRPr sz="1800" b="1" dirty="0"/>
+                    </a:p>
+                  </a:txBody>
+                  <a:tcPr marL="91425" marR="91425" marT="91425" marB="91425">
+                    <a:solidFill>
+                      <a:srgbClr val="CCCCCC"/>
+                    </a:solidFill>
+                  </a:tcPr>
+                </a:tc>
+                <a:extLst>
+                  <a:ext uri="{0D108BD9-81ED-4DB2-BD59-A6C34878D82A}">
+                    <a16:rowId xmlns:a16="http://schemas.microsoft.com/office/drawing/2014/main" val="10000"/>
+                  </a:ext>
+                </a:extLst>
+              </a:tr>
+              <a:tr h="693394">
+                <a:tc>
+                  <a:txBody>
+                    <a:bodyPr/>
+                    <a:lstStyle/>
+                    <a:p>
+                      <a:pPr marL="0" lvl="0" indent="0" algn="l" rtl="0">
+                        <a:spcBef>
+                          <a:spcPts val="0"/>
+                        </a:spcBef>
+                        <a:spcAft>
+                          <a:spcPts val="0"/>
+                        </a:spcAft>
+                        <a:buNone/>
+                      </a:pPr>
+                      <a:r>
+                        <a:rPr lang="en-US" sz="1600" dirty="0"/>
+                        <a:t>Run file</a:t>
+                      </a:r>
+                      <a:endParaRPr sz="1600" dirty="0"/>
+                    </a:p>
+                  </a:txBody>
+                  <a:tcPr marL="91425" marR="91425" marT="91425" marB="91425"/>
+                </a:tc>
+                <a:tc>
+                  <a:txBody>
+                    <a:bodyPr/>
+                    <a:lstStyle/>
+                    <a:p>
+                      <a:pPr marL="0" lvl="0" indent="0" algn="l" rtl="0">
+                        <a:spcBef>
+                          <a:spcPts val="0"/>
+                        </a:spcBef>
+                        <a:spcAft>
+                          <a:spcPts val="0"/>
+                        </a:spcAft>
+                        <a:buNone/>
+                      </a:pPr>
+                      <a:r>
+                        <a:rPr lang="en-US" sz="1600" dirty="0"/>
+                        <a:t>Printed a list with index number, pizzas and prices with price formatted to 2 decimal places and dollar sign. Menu starts at.</a:t>
+                      </a:r>
+                      <a:endParaRPr sz="1600" dirty="0"/>
+                    </a:p>
+                  </a:txBody>
+                  <a:tcPr marL="91425" marR="91425" marT="91425" marB="91425"/>
+                </a:tc>
+                <a:extLst>
+                  <a:ext uri="{0D108BD9-81ED-4DB2-BD59-A6C34878D82A}">
+                    <a16:rowId xmlns:a16="http://schemas.microsoft.com/office/drawing/2014/main" val="10001"/>
+                  </a:ext>
+                </a:extLst>
+              </a:tr>
+              <a:tr h="323572">
+                <a:tc>
+                  <a:txBody>
+                    <a:bodyPr/>
+                    <a:lstStyle/>
+                    <a:p>
+                      <a:pPr marL="0" lvl="0" indent="0" algn="l" rtl="0">
+                        <a:spcBef>
+                          <a:spcPts val="0"/>
+                        </a:spcBef>
+                        <a:spcAft>
+                          <a:spcPts val="0"/>
+                        </a:spcAft>
+                        <a:buNone/>
+                      </a:pPr>
+                      <a:endParaRPr sz="1600" dirty="0"/>
+                    </a:p>
+                  </a:txBody>
+                  <a:tcPr marL="91425" marR="91425" marT="91425" marB="91425"/>
+                </a:tc>
+                <a:tc>
+                  <a:txBody>
+                    <a:bodyPr/>
+                    <a:lstStyle/>
+                    <a:p>
+                      <a:pPr marL="0" lvl="0" indent="0" algn="l" rtl="0">
+                        <a:spcBef>
+                          <a:spcPts val="0"/>
+                        </a:spcBef>
+                        <a:spcAft>
+                          <a:spcPts val="0"/>
+                        </a:spcAft>
+                        <a:buNone/>
+                      </a:pPr>
+                      <a:endParaRPr sz="1600" dirty="0"/>
+                    </a:p>
+                  </a:txBody>
+                  <a:tcPr marL="91425" marR="91425" marT="91425" marB="91425"/>
+                </a:tc>
+                <a:extLst>
+                  <a:ext uri="{0D108BD9-81ED-4DB2-BD59-A6C34878D82A}">
+                    <a16:rowId xmlns:a16="http://schemas.microsoft.com/office/drawing/2014/main" val="3552095027"/>
+                  </a:ext>
+                </a:extLst>
+              </a:tr>
+            </a:tbl>
+          </a:graphicData>
+        </a:graphic>
+      </p:graphicFrame>
+      <p:pic>
+        <p:nvPicPr>
+          <p:cNvPr id="6" name="Picture 5">
+            <a:extLst>
+              <a:ext uri="{FF2B5EF4-FFF2-40B4-BE49-F238E27FC236}">
+                <a16:creationId xmlns:a16="http://schemas.microsoft.com/office/drawing/2014/main" id="{CCBE7B25-23DD-425F-AD7B-F04FA25A833F}"/>
+              </a:ext>
+            </a:extLst>
+          </p:cNvPr>
+          <p:cNvPicPr>
+            <a:picLocks noChangeAspect="1"/>
+          </p:cNvPicPr>
+          <p:nvPr/>
+        </p:nvPicPr>
+        <p:blipFill>
+          <a:blip r:embed="rId3"/>
+          <a:stretch>
+            <a:fillRect/>
+          </a:stretch>
+        </p:blipFill>
+        <p:spPr>
+          <a:xfrm>
+            <a:off x="192505" y="1849425"/>
+            <a:ext cx="4330458" cy="956075"/>
+          </a:xfrm>
+          <a:prstGeom prst="rect">
+            <a:avLst/>
+          </a:prstGeom>
+        </p:spPr>
+      </p:pic>
+      <p:pic>
+        <p:nvPicPr>
+          <p:cNvPr id="10" name="Picture 9">
+            <a:extLst>
+              <a:ext uri="{FF2B5EF4-FFF2-40B4-BE49-F238E27FC236}">
+                <a16:creationId xmlns:a16="http://schemas.microsoft.com/office/drawing/2014/main" id="{A5F1C219-06AF-41F1-BFA6-2E6028FD072A}"/>
+              </a:ext>
+            </a:extLst>
+          </p:cNvPr>
+          <p:cNvPicPr>
+            <a:picLocks noChangeAspect="1"/>
+          </p:cNvPicPr>
+          <p:nvPr/>
+        </p:nvPicPr>
+        <p:blipFill>
+          <a:blip r:embed="rId4"/>
+          <a:stretch>
+            <a:fillRect/>
+          </a:stretch>
+        </p:blipFill>
+        <p:spPr>
+          <a:xfrm>
+            <a:off x="4889994" y="1356260"/>
+            <a:ext cx="3717742" cy="1838500"/>
+          </a:xfrm>
+          <a:prstGeom prst="rect">
+            <a:avLst/>
+          </a:prstGeom>
+        </p:spPr>
+      </p:pic>
+    </p:spTree>
+    <p:extLst>
+      <p:ext uri="{BB962C8B-B14F-4D97-AF65-F5344CB8AC3E}">
+        <p14:creationId xmlns:p14="http://schemas.microsoft.com/office/powerpoint/2010/main" val="229409218"/>
+      </p:ext>
+    </p:extLst>
+  </p:cSld>
+  <p:clrMapOvr>
+    <a:masterClrMapping/>
+  </p:clrMapOvr>
+</p:sld>
+</file>
+
+<file path=ppt/slides/slide33.xml><?xml version="1.0" encoding="utf-8"?>
+<p:sld xmlns:a="http://schemas.openxmlformats.org/drawingml/2006/main" xmlns:r="http://schemas.openxmlformats.org/officeDocument/2006/relationships" xmlns:p="http://schemas.openxmlformats.org/presentationml/2006/main">
+  <p:cSld>
+    <p:bg>
+      <p:bgPr>
+        <a:solidFill>
+          <a:srgbClr val="D9EAD3"/>
+        </a:solidFill>
+        <a:effectLst/>
+      </p:bgPr>
+    </p:bg>
+    <p:spTree>
+      <p:nvGrpSpPr>
+        <p:cNvPr id="1" name="Shape 83"/>
+        <p:cNvGrpSpPr/>
+        <p:nvPr/>
+      </p:nvGrpSpPr>
+      <p:grpSpPr>
+        <a:xfrm>
+          <a:off x="0" y="0"/>
+          <a:ext cx="0" cy="0"/>
+          <a:chOff x="0" y="0"/>
+          <a:chExt cx="0" cy="0"/>
+        </a:xfrm>
+      </p:grpSpPr>
+      <p:sp>
+        <p:nvSpPr>
+          <p:cNvPr id="84" name="Google Shape;84;p18"/>
+          <p:cNvSpPr txBox="1">
+            <a:spLocks noGrp="1"/>
+          </p:cNvSpPr>
+          <p:nvPr>
+            <p:ph type="title"/>
+          </p:nvPr>
+        </p:nvSpPr>
+        <p:spPr>
+          <a:xfrm>
+            <a:off x="311700" y="445025"/>
+            <a:ext cx="8520600" cy="572700"/>
+          </a:xfrm>
+          <a:prstGeom prst="rect">
+            <a:avLst/>
+          </a:prstGeom>
+        </p:spPr>
+        <p:txBody>
+          <a:bodyPr spcFirstLastPara="1" wrap="square" lIns="91425" tIns="91425" rIns="91425" bIns="91425" anchor="t" anchorCtr="0">
+            <a:noAutofit/>
+          </a:bodyPr>
+          <a:lstStyle/>
+          <a:p>
+            <a:pPr marL="0" lvl="0" indent="0" algn="l" rtl="0">
+              <a:spcBef>
+                <a:spcPts val="0"/>
+              </a:spcBef>
+              <a:spcAft>
+                <a:spcPts val="0"/>
+              </a:spcAft>
+              <a:buNone/>
+            </a:pPr>
+            <a:r>
+              <a:rPr lang="en"/>
+              <a:t>Version Control Evidence</a:t>
+            </a:r>
+            <a:endParaRPr/>
+          </a:p>
+        </p:txBody>
+      </p:sp>
+      <p:sp>
+        <p:nvSpPr>
+          <p:cNvPr id="85" name="Google Shape;85;p18"/>
+          <p:cNvSpPr txBox="1">
+            <a:spLocks noGrp="1"/>
+          </p:cNvSpPr>
+          <p:nvPr>
+            <p:ph type="body" idx="1"/>
+          </p:nvPr>
+        </p:nvSpPr>
+        <p:spPr>
+          <a:xfrm>
+            <a:off x="311700" y="1152475"/>
+            <a:ext cx="8464200" cy="3739200"/>
+          </a:xfrm>
+          <a:prstGeom prst="rect">
+            <a:avLst/>
+          </a:prstGeom>
+        </p:spPr>
+        <p:txBody>
+          <a:bodyPr spcFirstLastPara="1" wrap="square" lIns="91425" tIns="91425" rIns="91425" bIns="91425" anchor="t" anchorCtr="0">
+            <a:noAutofit/>
+          </a:bodyPr>
+          <a:lstStyle/>
+          <a:p>
+            <a:pPr marL="0" lvl="0" indent="0" algn="l" rtl="0">
+              <a:spcBef>
+                <a:spcPts val="0"/>
+              </a:spcBef>
+              <a:spcAft>
+                <a:spcPts val="1600"/>
+              </a:spcAft>
+              <a:buNone/>
+            </a:pPr>
+            <a:r>
+              <a:rPr lang="en" i="1"/>
+              <a:t>Your version control evidence should go here.  This could be in the form of annotated screenshots which show you you managed this process or you could make a brief screencast explaining how you implemented version control.</a:t>
+            </a:r>
+            <a:endParaRPr i="1"/>
+          </a:p>
+        </p:txBody>
+      </p:sp>
+    </p:spTree>
+  </p:cSld>
+  <p:clrMapOvr>
+    <a:masterClrMapping/>
+  </p:clrMapOvr>
+</p:sld>
+</file>
+
+<file path=ppt/slides/slide34.xml><?xml version="1.0" encoding="utf-8"?>
 <p:sld xmlns:a="http://schemas.openxmlformats.org/drawingml/2006/main" xmlns:r="http://schemas.openxmlformats.org/officeDocument/2006/relationships" xmlns:p="http://schemas.openxmlformats.org/presentationml/2006/main">
   <p:cSld>
     <p:bg>
@@ -16432,6 +17962,15 @@
 </file>
 
 <file path=customXml/item1.xml><?xml version="1.0" encoding="utf-8"?>
+<?mso-contentType ?>
+<FormTemplates xmlns="http://schemas.microsoft.com/sharepoint/v3/contenttype/forms">
+  <Display>DocumentLibraryForm</Display>
+  <Edit>DocumentLibraryForm</Edit>
+  <New>DocumentLibraryForm</New>
+</FormTemplates>
+</file>
+
+<file path=customXml/item2.xml><?xml version="1.0" encoding="utf-8"?>
 <ct:contentTypeSchema xmlns:ct="http://schemas.microsoft.com/office/2006/metadata/contentType" xmlns:ma="http://schemas.microsoft.com/office/2006/metadata/properties/metaAttributes" ct:_="" ma:_="" ma:contentTypeName="Document" ma:contentTypeID="0x010100C0556D9ED20ED74DAB281BE645C877EF" ma:contentTypeVersion="7" ma:contentTypeDescription="Create a new document." ma:contentTypeScope="" ma:versionID="3ce587596921beed68851f6bb71df0e0">
   <xsd:schema xmlns:xsd="http://www.w3.org/2001/XMLSchema" xmlns:xs="http://www.w3.org/2001/XMLSchema" xmlns:p="http://schemas.microsoft.com/office/2006/metadata/properties" xmlns:ns3="08405550-cfb5-405e-abdb-5c942ce3f1d4" xmlns:ns4="a93a3bdd-4ea2-450d-8d91-f7fa84c98d54" targetNamespace="http://schemas.microsoft.com/office/2006/metadata/properties" ma:root="true" ma:fieldsID="50c2a25ec3c9fc41b352652803dca642" ns3:_="" ns4:_="">
     <xsd:import namespace="08405550-cfb5-405e-abdb-5c942ce3f1d4"/>
@@ -16616,15 +18155,6 @@
 </ct:contentTypeSchema>
 </file>
 
-<file path=customXml/item2.xml><?xml version="1.0" encoding="utf-8"?>
-<?mso-contentType ?>
-<FormTemplates xmlns="http://schemas.microsoft.com/sharepoint/v3/contenttype/forms">
-  <Display>DocumentLibraryForm</Display>
-  <Edit>DocumentLibraryForm</Edit>
-  <New>DocumentLibraryForm</New>
-</FormTemplates>
-</file>
-
 <file path=customXml/item3.xml><?xml version="1.0" encoding="utf-8"?>
 <p:properties xmlns:p="http://schemas.microsoft.com/office/2006/metadata/properties" xmlns:xsi="http://www.w3.org/2001/XMLSchema-instance" xmlns:pc="http://schemas.microsoft.com/office/infopath/2007/PartnerControls">
   <documentManagement/>
@@ -16632,6 +18162,14 @@
 </file>
 
 <file path=customXml/itemProps1.xml><?xml version="1.0" encoding="utf-8"?>
+<ds:datastoreItem xmlns:ds="http://schemas.openxmlformats.org/officeDocument/2006/customXml" ds:itemID="{9218F158-48AD-466C-9409-9DB6BE72028D}">
+  <ds:schemaRefs>
+    <ds:schemaRef ds:uri="http://schemas.microsoft.com/sharepoint/v3/contenttype/forms"/>
+  </ds:schemaRefs>
+</ds:datastoreItem>
+</file>
+
+<file path=customXml/itemProps2.xml><?xml version="1.0" encoding="utf-8"?>
 <ds:datastoreItem xmlns:ds="http://schemas.openxmlformats.org/officeDocument/2006/customXml" ds:itemID="{D13AB88D-80C8-4141-BFFC-90F69343E5FF}">
   <ds:schemaRefs>
     <ds:schemaRef ds:uri="http://schemas.microsoft.com/office/2006/metadata/contentType"/>
@@ -16646,14 +18184,6 @@
     <ds:schemaRef ds:uri="http://purl.org/dc/elements/1.1/"/>
     <ds:schemaRef ds:uri="http://purl.org/dc/terms/"/>
     <ds:schemaRef ds:uri="http://schemas.microsoft.com/internal/obd"/>
-  </ds:schemaRefs>
-</ds:datastoreItem>
-</file>
-
-<file path=customXml/itemProps2.xml><?xml version="1.0" encoding="utf-8"?>
-<ds:datastoreItem xmlns:ds="http://schemas.openxmlformats.org/officeDocument/2006/customXml" ds:itemID="{9218F158-48AD-466C-9409-9DB6BE72028D}">
-  <ds:schemaRefs>
-    <ds:schemaRef ds:uri="http://schemas.microsoft.com/sharepoint/v3/contenttype/forms"/>
   </ds:schemaRefs>
 </ds:datastoreItem>
 </file>
